--- a/Presentations/ObjectPool.pptx
+++ b/Presentations/ObjectPool.pptx
@@ -965,7 +965,15 @@
           <a:p>
             <a:r>
               <a:rPr lang="en-US" baseline="0" dirty="0" smtClean="0"/>
-              <a:t>In order to make sure that all of your objects are returned to the pool properly, make sure that member variables of these objects are cleaned up. So they doesn’t contain any references to any other objects in memory.</a:t>
+              <a:t>In order to make sure that all of your objects are returned to the pool properly, make sure that member variables of these objects are cleaned up. So they </a:t>
+            </a:r>
+            <a:r>
+              <a:rPr lang="en-US" baseline="0" dirty="0" smtClean="0"/>
+              <a:t>don’t </a:t>
+            </a:r>
+            <a:r>
+              <a:rPr lang="en-US" baseline="0" dirty="0" smtClean="0"/>
+              <a:t>contain any references to any other objects in memory.</a:t>
             </a:r>
           </a:p>
           <a:p>
@@ -974,7 +982,19 @@
           <a:p>
             <a:r>
               <a:rPr lang="en-US" baseline="0" dirty="0" smtClean="0"/>
-              <a:t>If you are not careful you can end up creating a lot of persistent memory leaks for this objects in your pools</a:t>
+              <a:t>If you are not careful you can end up creating a lot of persistent memory leaks </a:t>
+            </a:r>
+            <a:r>
+              <a:rPr lang="en-US" baseline="0" smtClean="0"/>
+              <a:t>for </a:t>
+            </a:r>
+            <a:r>
+              <a:rPr lang="en-US" baseline="0" smtClean="0"/>
+              <a:t>these </a:t>
+            </a:r>
+            <a:r>
+              <a:rPr lang="en-US" baseline="0" dirty="0" smtClean="0"/>
+              <a:t>objects in your pools</a:t>
             </a:r>
           </a:p>
         </p:txBody>
@@ -1166,14 +1186,6 @@
           <a:bodyPr/>
           <a:lstStyle/>
           <a:p>
-            <a:r>
-              <a:rPr lang="en-US" dirty="0" smtClean="0"/>
-              <a:t>Lets talk abou</a:t>
-            </a:r>
-            <a:r>
-              <a:rPr lang="en-US" baseline="0" dirty="0" smtClean="0"/>
-              <a:t>t transport management in logistics application</a:t>
-            </a:r>
             <a:endParaRPr lang="ru-RU" dirty="0"/>
           </a:p>
         </p:txBody>
@@ -1235,14 +1247,6 @@
           <a:bodyPr/>
           <a:lstStyle/>
           <a:p>
-            <a:r>
-              <a:rPr lang="en-US" dirty="0" smtClean="0"/>
-              <a:t>Lets talk abou</a:t>
-            </a:r>
-            <a:r>
-              <a:rPr lang="en-US" baseline="0" dirty="0" smtClean="0"/>
-              <a:t>t transport management in logistics application</a:t>
-            </a:r>
             <a:endParaRPr lang="ru-RU" dirty="0"/>
           </a:p>
         </p:txBody>
@@ -1612,21 +1616,25 @@
           <a:lstStyle/>
           <a:p>
             <a:r>
-              <a:rPr lang="en-US" smtClean="0"/>
+              <a:rPr lang="en-US" dirty="0" smtClean="0"/>
               <a:t>The end result</a:t>
             </a:r>
             <a:r>
-              <a:rPr lang="en-US" baseline="0" smtClean="0"/>
+              <a:rPr lang="en-US" baseline="0" dirty="0" smtClean="0"/>
               <a:t> of using an object pool is that instead of ton of heap fluctuation, you’ll end up with stable allocations or small growths</a:t>
             </a:r>
           </a:p>
           <a:p>
-            <a:endParaRPr lang="en-US" baseline="0" smtClean="0"/>
-          </a:p>
-          <a:p>
-            <a:r>
-              <a:rPr lang="en-US" baseline="0" smtClean="0"/>
+            <a:endParaRPr lang="en-US" baseline="0" dirty="0" smtClean="0"/>
+          </a:p>
+          <a:p>
+            <a:r>
+              <a:rPr lang="en-US" baseline="0" dirty="0" smtClean="0"/>
               <a:t>So this is helping you save precious </a:t>
+            </a:r>
+            <a:r>
+              <a:rPr lang="en-US" baseline="0" dirty="0" smtClean="0"/>
+              <a:t>computation time</a:t>
             </a:r>
             <a:endParaRPr lang="ru-RU" dirty="0"/>
           </a:p>
@@ -6463,29 +6471,8 @@
                   <a:schemeClr val="tx1"/>
                 </a:solidFill>
               </a:rPr>
-              <a:t> </a:t>
-            </a:r>
-            <a:r>
-              <a:rPr lang="en-US" dirty="0" smtClean="0">
-                <a:solidFill>
-                  <a:schemeClr val="tx1"/>
-                </a:solidFill>
-              </a:rPr>
-              <a:t>out of </a:t>
-            </a:r>
-            <a:r>
-              <a:rPr lang="en-US" dirty="0" smtClean="0">
-                <a:solidFill>
-                  <a:schemeClr val="tx1"/>
-                </a:solidFill>
-              </a:rPr>
-              <a:t>16</a:t>
-            </a:r>
-            <a:endParaRPr lang="en-US" dirty="0" smtClean="0">
-              <a:solidFill>
-                <a:schemeClr val="tx1"/>
-              </a:solidFill>
-            </a:endParaRPr>
+              <a:t> out of 16</a:t>
+            </a:r>
           </a:p>
         </p:txBody>
       </p:sp>
@@ -6806,37 +6793,8 @@
                   <a:schemeClr val="tx1"/>
                 </a:solidFill>
               </a:rPr>
-              <a:t>10</a:t>
-            </a:r>
-            <a:r>
-              <a:rPr lang="en-US" dirty="0" smtClean="0">
-                <a:solidFill>
-                  <a:schemeClr val="tx1"/>
-                </a:solidFill>
-              </a:rPr>
-              <a:t> </a:t>
-            </a:r>
-            <a:r>
-              <a:rPr lang="en-US" dirty="0" smtClean="0">
-                <a:solidFill>
-                  <a:schemeClr val="tx1"/>
-                </a:solidFill>
-              </a:rPr>
-              <a:t>out of </a:t>
-            </a:r>
-            <a:r>
-              <a:rPr lang="en-US" dirty="0" smtClean="0">
-                <a:solidFill>
-                  <a:schemeClr val="tx1"/>
-                </a:solidFill>
-              </a:rPr>
-              <a:t>16</a:t>
-            </a:r>
-            <a:endParaRPr lang="en-US" dirty="0" smtClean="0">
-              <a:solidFill>
-                <a:schemeClr val="tx1"/>
-              </a:solidFill>
-            </a:endParaRPr>
+              <a:t>10 out of 16</a:t>
+            </a:r>
           </a:p>
         </p:txBody>
       </p:sp>
@@ -8593,37 +8551,8 @@
                   <a:schemeClr val="tx1"/>
                 </a:solidFill>
               </a:rPr>
-              <a:t>11</a:t>
-            </a:r>
-            <a:r>
-              <a:rPr lang="en-US" dirty="0" smtClean="0">
-                <a:solidFill>
-                  <a:schemeClr val="tx1"/>
-                </a:solidFill>
-              </a:rPr>
-              <a:t> </a:t>
-            </a:r>
-            <a:r>
-              <a:rPr lang="en-US" dirty="0" smtClean="0">
-                <a:solidFill>
-                  <a:schemeClr val="tx1"/>
-                </a:solidFill>
-              </a:rPr>
-              <a:t>out of </a:t>
-            </a:r>
-            <a:r>
-              <a:rPr lang="en-US" dirty="0" smtClean="0">
-                <a:solidFill>
-                  <a:schemeClr val="tx1"/>
-                </a:solidFill>
-              </a:rPr>
-              <a:t>16</a:t>
-            </a:r>
-            <a:endParaRPr lang="en-US" dirty="0" smtClean="0">
-              <a:solidFill>
-                <a:schemeClr val="tx1"/>
-              </a:solidFill>
-            </a:endParaRPr>
+              <a:t>11 out of 16</a:t>
+            </a:r>
           </a:p>
         </p:txBody>
       </p:sp>
@@ -9137,37 +9066,8 @@
                   <a:schemeClr val="tx1"/>
                 </a:solidFill>
               </a:rPr>
-              <a:t>12</a:t>
-            </a:r>
-            <a:r>
-              <a:rPr lang="en-US" dirty="0" smtClean="0">
-                <a:solidFill>
-                  <a:schemeClr val="tx1"/>
-                </a:solidFill>
-              </a:rPr>
-              <a:t> </a:t>
-            </a:r>
-            <a:r>
-              <a:rPr lang="en-US" dirty="0" smtClean="0">
-                <a:solidFill>
-                  <a:schemeClr val="tx1"/>
-                </a:solidFill>
-              </a:rPr>
-              <a:t>out of </a:t>
-            </a:r>
-            <a:r>
-              <a:rPr lang="en-US" dirty="0" smtClean="0">
-                <a:solidFill>
-                  <a:schemeClr val="tx1"/>
-                </a:solidFill>
-              </a:rPr>
-              <a:t>16</a:t>
-            </a:r>
-            <a:endParaRPr lang="en-US" dirty="0" smtClean="0">
-              <a:solidFill>
-                <a:schemeClr val="tx1"/>
-              </a:solidFill>
-            </a:endParaRPr>
+              <a:t>12 out of 16</a:t>
+            </a:r>
           </a:p>
         </p:txBody>
       </p:sp>
@@ -9541,37 +9441,8 @@
                   <a:schemeClr val="tx1"/>
                 </a:solidFill>
               </a:rPr>
-              <a:t>14</a:t>
-            </a:r>
-            <a:r>
-              <a:rPr lang="en-US" dirty="0" smtClean="0">
-                <a:solidFill>
-                  <a:schemeClr val="tx1"/>
-                </a:solidFill>
-              </a:rPr>
-              <a:t> </a:t>
-            </a:r>
-            <a:r>
-              <a:rPr lang="en-US" dirty="0" smtClean="0">
-                <a:solidFill>
-                  <a:schemeClr val="tx1"/>
-                </a:solidFill>
-              </a:rPr>
-              <a:t>out of </a:t>
-            </a:r>
-            <a:r>
-              <a:rPr lang="en-US" dirty="0" smtClean="0">
-                <a:solidFill>
-                  <a:schemeClr val="tx1"/>
-                </a:solidFill>
-              </a:rPr>
-              <a:t>16</a:t>
-            </a:r>
-            <a:endParaRPr lang="en-US" dirty="0" smtClean="0">
-              <a:solidFill>
-                <a:schemeClr val="tx1"/>
-              </a:solidFill>
-            </a:endParaRPr>
+              <a:t>14 out of 16</a:t>
+            </a:r>
           </a:p>
         </p:txBody>
       </p:sp>
@@ -10604,37 +10475,8 @@
                   <a:schemeClr val="tx1"/>
                 </a:solidFill>
               </a:rPr>
-              <a:t>15</a:t>
-            </a:r>
-            <a:r>
-              <a:rPr lang="en-US" dirty="0" smtClean="0">
-                <a:solidFill>
-                  <a:schemeClr val="tx1"/>
-                </a:solidFill>
-              </a:rPr>
-              <a:t> </a:t>
-            </a:r>
-            <a:r>
-              <a:rPr lang="en-US" dirty="0" smtClean="0">
-                <a:solidFill>
-                  <a:schemeClr val="tx1"/>
-                </a:solidFill>
-              </a:rPr>
-              <a:t>out of </a:t>
-            </a:r>
-            <a:r>
-              <a:rPr lang="en-US" dirty="0" smtClean="0">
-                <a:solidFill>
-                  <a:schemeClr val="tx1"/>
-                </a:solidFill>
-              </a:rPr>
-              <a:t>16</a:t>
-            </a:r>
-            <a:endParaRPr lang="en-US" dirty="0" smtClean="0">
-              <a:solidFill>
-                <a:schemeClr val="tx1"/>
-              </a:solidFill>
-            </a:endParaRPr>
+              <a:t>15 out of 16</a:t>
+            </a:r>
           </a:p>
         </p:txBody>
       </p:sp>
@@ -11043,13 +10885,13 @@
   <p:clrMapOvr>
     <a:masterClrMapping/>
   </p:clrMapOvr>
-  <mc:AlternateContent xmlns:mc="http://schemas.openxmlformats.org/markup-compatibility/2006">
-    <mc:Choice xmlns:p14="http://schemas.microsoft.com/office/powerpoint/2010/main" Requires="p14">
+  <mc:AlternateContent xmlns:mc="http://schemas.openxmlformats.org/markup-compatibility/2006" xmlns:p14="http://schemas.microsoft.com/office/powerpoint/2010/main">
+    <mc:Choice Requires="p14">
       <p:transition spd="med">
         <p14:prism dir="u" isContent="1"/>
       </p:transition>
     </mc:Choice>
-    <mc:Fallback>
+    <mc:Fallback xmlns="">
       <p:transition spd="med">
         <p:fade/>
       </p:transition>
@@ -11199,29 +11041,8 @@
                   <a:schemeClr val="tx1"/>
                 </a:solidFill>
               </a:rPr>
-              <a:t>16 </a:t>
-            </a:r>
-            <a:r>
-              <a:rPr lang="en-US" dirty="0" smtClean="0">
-                <a:solidFill>
-                  <a:schemeClr val="tx1"/>
-                </a:solidFill>
-              </a:rPr>
-              <a:t>out of </a:t>
-            </a:r>
-            <a:r>
-              <a:rPr lang="en-US" dirty="0" smtClean="0">
-                <a:solidFill>
-                  <a:schemeClr val="tx1"/>
-                </a:solidFill>
-              </a:rPr>
-              <a:t>16</a:t>
-            </a:r>
-            <a:endParaRPr lang="en-US" dirty="0" smtClean="0">
-              <a:solidFill>
-                <a:schemeClr val="tx1"/>
-              </a:solidFill>
-            </a:endParaRPr>
+              <a:t>16 out of 16</a:t>
+            </a:r>
           </a:p>
         </p:txBody>
       </p:sp>
@@ -11702,13 +11523,13 @@
   <p:clrMapOvr>
     <a:masterClrMapping/>
   </p:clrMapOvr>
-  <mc:AlternateContent xmlns:mc="http://schemas.openxmlformats.org/markup-compatibility/2006">
-    <mc:Choice xmlns:p14="http://schemas.microsoft.com/office/powerpoint/2010/main" Requires="p14">
+  <mc:AlternateContent xmlns:mc="http://schemas.openxmlformats.org/markup-compatibility/2006" xmlns:p14="http://schemas.microsoft.com/office/powerpoint/2010/main">
+    <mc:Choice Requires="p14">
       <p:transition spd="med">
         <p14:prism dir="u"/>
       </p:transition>
     </mc:Choice>
-    <mc:Fallback>
+    <mc:Fallback xmlns="">
       <p:transition spd="med">
         <p:fade/>
       </p:transition>
@@ -12835,21 +12656,8 @@
                   <a:schemeClr val="tx1"/>
                 </a:solidFill>
               </a:rPr>
-              <a:t>2 out of </a:t>
-            </a:r>
-            <a:r>
-              <a:rPr lang="en-US" dirty="0" smtClean="0">
-                <a:solidFill>
-                  <a:schemeClr val="tx1"/>
-                </a:solidFill>
-              </a:rPr>
-              <a:t>16</a:t>
-            </a:r>
-            <a:endParaRPr lang="en-US" dirty="0" smtClean="0">
-              <a:solidFill>
-                <a:schemeClr val="tx1"/>
-              </a:solidFill>
-            </a:endParaRPr>
+              <a:t>2 out of 16</a:t>
+            </a:r>
           </a:p>
         </p:txBody>
       </p:sp>
@@ -13332,29 +13140,8 @@
                   <a:schemeClr val="tx1"/>
                 </a:solidFill>
               </a:rPr>
-              <a:t> out </a:t>
-            </a:r>
-            <a:r>
-              <a:rPr lang="en-US" dirty="0" smtClean="0">
-                <a:solidFill>
-                  <a:schemeClr val="tx1"/>
-                </a:solidFill>
-              </a:rPr>
-              <a:t>of </a:t>
-            </a:r>
-            <a:r>
-              <a:rPr lang="en-US" dirty="0" smtClean="0">
-                <a:solidFill>
-                  <a:schemeClr val="tx1"/>
-                </a:solidFill>
-              </a:rPr>
-              <a:t>16</a:t>
-            </a:r>
-            <a:endParaRPr lang="en-US" dirty="0" smtClean="0">
-              <a:solidFill>
-                <a:schemeClr val="tx1"/>
-              </a:solidFill>
-            </a:endParaRPr>
+              <a:t> out of 16</a:t>
+            </a:r>
           </a:p>
         </p:txBody>
       </p:sp>
@@ -13831,29 +13618,8 @@
                   <a:schemeClr val="tx1"/>
                 </a:solidFill>
               </a:rPr>
-              <a:t> </a:t>
-            </a:r>
-            <a:r>
-              <a:rPr lang="en-US" dirty="0" smtClean="0">
-                <a:solidFill>
-                  <a:schemeClr val="tx1"/>
-                </a:solidFill>
-              </a:rPr>
-              <a:t>out of </a:t>
-            </a:r>
-            <a:r>
-              <a:rPr lang="en-US" dirty="0" smtClean="0">
-                <a:solidFill>
-                  <a:schemeClr val="tx1"/>
-                </a:solidFill>
-              </a:rPr>
-              <a:t>16</a:t>
-            </a:r>
-            <a:endParaRPr lang="en-US" dirty="0" smtClean="0">
-              <a:solidFill>
-                <a:schemeClr val="tx1"/>
-              </a:solidFill>
-            </a:endParaRPr>
+              <a:t> out of 16</a:t>
+            </a:r>
           </a:p>
         </p:txBody>
       </p:sp>
@@ -14652,29 +14418,8 @@
                   <a:schemeClr val="tx1"/>
                 </a:solidFill>
               </a:rPr>
-              <a:t> </a:t>
-            </a:r>
-            <a:r>
-              <a:rPr lang="en-US" dirty="0" smtClean="0">
-                <a:solidFill>
-                  <a:schemeClr val="tx1"/>
-                </a:solidFill>
-              </a:rPr>
-              <a:t>out of </a:t>
-            </a:r>
-            <a:r>
-              <a:rPr lang="en-US" dirty="0" smtClean="0">
-                <a:solidFill>
-                  <a:schemeClr val="tx1"/>
-                </a:solidFill>
-              </a:rPr>
-              <a:t>16</a:t>
-            </a:r>
-            <a:endParaRPr lang="en-US" dirty="0" smtClean="0">
-              <a:solidFill>
-                <a:schemeClr val="tx1"/>
-              </a:solidFill>
-            </a:endParaRPr>
+              <a:t> out of 16</a:t>
+            </a:r>
           </a:p>
         </p:txBody>
       </p:sp>
@@ -15132,29 +14877,8 @@
                   <a:schemeClr val="tx1"/>
                 </a:solidFill>
               </a:rPr>
-              <a:t> </a:t>
-            </a:r>
-            <a:r>
-              <a:rPr lang="en-US" dirty="0" smtClean="0">
-                <a:solidFill>
-                  <a:schemeClr val="tx1"/>
-                </a:solidFill>
-              </a:rPr>
-              <a:t>out of </a:t>
-            </a:r>
-            <a:r>
-              <a:rPr lang="en-US" dirty="0" smtClean="0">
-                <a:solidFill>
-                  <a:schemeClr val="tx1"/>
-                </a:solidFill>
-              </a:rPr>
-              <a:t>16</a:t>
-            </a:r>
-            <a:endParaRPr lang="en-US" dirty="0" smtClean="0">
-              <a:solidFill>
-                <a:schemeClr val="tx1"/>
-              </a:solidFill>
-            </a:endParaRPr>
+              <a:t> out of 16</a:t>
+            </a:r>
           </a:p>
         </p:txBody>
       </p:sp>
@@ -15930,29 +15654,8 @@
                   <a:schemeClr val="tx1"/>
                 </a:solidFill>
               </a:rPr>
-              <a:t> </a:t>
-            </a:r>
-            <a:r>
-              <a:rPr lang="en-US" dirty="0" smtClean="0">
-                <a:solidFill>
-                  <a:schemeClr val="tx1"/>
-                </a:solidFill>
-              </a:rPr>
-              <a:t>out of </a:t>
-            </a:r>
-            <a:r>
-              <a:rPr lang="en-US" dirty="0" smtClean="0">
-                <a:solidFill>
-                  <a:schemeClr val="tx1"/>
-                </a:solidFill>
-              </a:rPr>
-              <a:t>16</a:t>
-            </a:r>
-            <a:endParaRPr lang="en-US" dirty="0" smtClean="0">
-              <a:solidFill>
-                <a:schemeClr val="tx1"/>
-              </a:solidFill>
-            </a:endParaRPr>
+              <a:t> out of 16</a:t>
+            </a:r>
           </a:p>
         </p:txBody>
       </p:sp>
